--- a/ppt 16-9/0183.玫瑰花开放.pptx
+++ b/ppt 16-9/0183.玫瑰花开放.pptx
@@ -129,7 +129,7 @@
           <p:cNvPr id="2" name="标题 1">
             <a:extLst>
               <a:ext uri="{FF2B5EF4-FFF2-40B4-BE49-F238E27FC236}">
-                <a16:creationId xmlns:a16="http://schemas.microsoft.com/office/drawing/2014/main" id="{2D93B57E-AB0F-C314-BF8A-9F2E27AA221D}"/>
+                <a16:creationId xmlns:a16="http://schemas.microsoft.com/office/drawing/2014/main" id="{A99BDB30-2A65-15B3-2479-24D646E3804C}"/>
               </a:ext>
             </a:extLst>
           </p:cNvPr>
@@ -166,7 +166,7 @@
           <p:cNvPr id="3" name="副标题 2">
             <a:extLst>
               <a:ext uri="{FF2B5EF4-FFF2-40B4-BE49-F238E27FC236}">
-                <a16:creationId xmlns:a16="http://schemas.microsoft.com/office/drawing/2014/main" id="{A7F59365-975C-E887-9607-EEB0087488DD}"/>
+                <a16:creationId xmlns:a16="http://schemas.microsoft.com/office/drawing/2014/main" id="{0CDDE3E3-BD2F-A69C-F041-4D4EA3CF21BD}"/>
               </a:ext>
             </a:extLst>
           </p:cNvPr>
@@ -236,7 +236,7 @@
           <p:cNvPr id="4" name="日期占位符 3">
             <a:extLst>
               <a:ext uri="{FF2B5EF4-FFF2-40B4-BE49-F238E27FC236}">
-                <a16:creationId xmlns:a16="http://schemas.microsoft.com/office/drawing/2014/main" id="{825CEBA6-A3E8-BF09-A6E5-6C6D5889AB33}"/>
+                <a16:creationId xmlns:a16="http://schemas.microsoft.com/office/drawing/2014/main" id="{FE83C155-00B2-A99E-D8BC-777033BD09B5}"/>
               </a:ext>
             </a:extLst>
           </p:cNvPr>
@@ -252,7 +252,7 @@
           <a:bodyPr/>
           <a:lstStyle/>
           <a:p>
-            <a:fld id="{27F615C4-AC0E-4473-9D79-F96D7261D089}" type="datetimeFigureOut">
+            <a:fld id="{DA82F3F6-0BAA-4AF2-BE31-8A87C20202E2}" type="datetimeFigureOut">
               <a:rPr lang="zh-CN" altLang="en-US" smtClean="0"/>
               <a:t>2024/3/10</a:t>
             </a:fld>
@@ -265,7 +265,7 @@
           <p:cNvPr id="5" name="页脚占位符 4">
             <a:extLst>
               <a:ext uri="{FF2B5EF4-FFF2-40B4-BE49-F238E27FC236}">
-                <a16:creationId xmlns:a16="http://schemas.microsoft.com/office/drawing/2014/main" id="{0023B351-E31A-DE8C-88F3-3DBB1C5FF2B5}"/>
+                <a16:creationId xmlns:a16="http://schemas.microsoft.com/office/drawing/2014/main" id="{B0A84FE0-354C-14A1-D557-E23D98E55E6E}"/>
               </a:ext>
             </a:extLst>
           </p:cNvPr>
@@ -290,7 +290,7 @@
           <p:cNvPr id="6" name="灯片编号占位符 5">
             <a:extLst>
               <a:ext uri="{FF2B5EF4-FFF2-40B4-BE49-F238E27FC236}">
-                <a16:creationId xmlns:a16="http://schemas.microsoft.com/office/drawing/2014/main" id="{D75E80EF-F1BC-68C6-97D2-D456A041E1D2}"/>
+                <a16:creationId xmlns:a16="http://schemas.microsoft.com/office/drawing/2014/main" id="{4568AE56-C29D-8D9C-6D4D-6CC5EC30E9F7}"/>
               </a:ext>
             </a:extLst>
           </p:cNvPr>
@@ -306,7 +306,7 @@
           <a:bodyPr/>
           <a:lstStyle/>
           <a:p>
-            <a:fld id="{9AEFB0F3-2FB4-4F1F-B1B3-93D24DAF9729}" type="slidenum">
+            <a:fld id="{C9994614-A66C-4512-B50C-AA7960154719}" type="slidenum">
               <a:rPr lang="zh-CN" altLang="en-US" smtClean="0"/>
               <a:t>‹#›</a:t>
             </a:fld>
@@ -317,7 +317,7 @@
     </p:spTree>
     <p:extLst>
       <p:ext uri="{BB962C8B-B14F-4D97-AF65-F5344CB8AC3E}">
-        <p14:creationId xmlns:p14="http://schemas.microsoft.com/office/powerpoint/2010/main" val="1734617386"/>
+        <p14:creationId xmlns:p14="http://schemas.microsoft.com/office/powerpoint/2010/main" val="4277727061"/>
       </p:ext>
     </p:extLst>
   </p:cSld>
@@ -349,7 +349,7 @@
           <p:cNvPr id="2" name="标题 1">
             <a:extLst>
               <a:ext uri="{FF2B5EF4-FFF2-40B4-BE49-F238E27FC236}">
-                <a16:creationId xmlns:a16="http://schemas.microsoft.com/office/drawing/2014/main" id="{D98CCB47-56AD-8C2A-9B6E-2598DDAB26F5}"/>
+                <a16:creationId xmlns:a16="http://schemas.microsoft.com/office/drawing/2014/main" id="{CF5DC603-65CF-68E6-9D87-3A45696EE10D}"/>
               </a:ext>
             </a:extLst>
           </p:cNvPr>
@@ -377,7 +377,7 @@
           <p:cNvPr id="3" name="竖排文字占位符 2">
             <a:extLst>
               <a:ext uri="{FF2B5EF4-FFF2-40B4-BE49-F238E27FC236}">
-                <a16:creationId xmlns:a16="http://schemas.microsoft.com/office/drawing/2014/main" id="{60099615-0537-BFEF-3356-FE96FF1BBAB1}"/>
+                <a16:creationId xmlns:a16="http://schemas.microsoft.com/office/drawing/2014/main" id="{A2A9B406-1F4C-A0FE-7548-4A960FE62B94}"/>
               </a:ext>
             </a:extLst>
           </p:cNvPr>
@@ -434,7 +434,7 @@
           <p:cNvPr id="4" name="日期占位符 3">
             <a:extLst>
               <a:ext uri="{FF2B5EF4-FFF2-40B4-BE49-F238E27FC236}">
-                <a16:creationId xmlns:a16="http://schemas.microsoft.com/office/drawing/2014/main" id="{85925C4F-93E5-5C67-321A-E1FBABB56957}"/>
+                <a16:creationId xmlns:a16="http://schemas.microsoft.com/office/drawing/2014/main" id="{5C3178BC-7426-0021-872D-FBE3ED06B95E}"/>
               </a:ext>
             </a:extLst>
           </p:cNvPr>
@@ -450,7 +450,7 @@
           <a:bodyPr/>
           <a:lstStyle/>
           <a:p>
-            <a:fld id="{27F615C4-AC0E-4473-9D79-F96D7261D089}" type="datetimeFigureOut">
+            <a:fld id="{DA82F3F6-0BAA-4AF2-BE31-8A87C20202E2}" type="datetimeFigureOut">
               <a:rPr lang="zh-CN" altLang="en-US" smtClean="0"/>
               <a:t>2024/3/10</a:t>
             </a:fld>
@@ -463,7 +463,7 @@
           <p:cNvPr id="5" name="页脚占位符 4">
             <a:extLst>
               <a:ext uri="{FF2B5EF4-FFF2-40B4-BE49-F238E27FC236}">
-                <a16:creationId xmlns:a16="http://schemas.microsoft.com/office/drawing/2014/main" id="{9DA7F3E5-9904-D42A-A21F-9C95EB37EAD1}"/>
+                <a16:creationId xmlns:a16="http://schemas.microsoft.com/office/drawing/2014/main" id="{B352DB4D-0036-9E39-9AE2-AED0CDFFEA22}"/>
               </a:ext>
             </a:extLst>
           </p:cNvPr>
@@ -488,7 +488,7 @@
           <p:cNvPr id="6" name="灯片编号占位符 5">
             <a:extLst>
               <a:ext uri="{FF2B5EF4-FFF2-40B4-BE49-F238E27FC236}">
-                <a16:creationId xmlns:a16="http://schemas.microsoft.com/office/drawing/2014/main" id="{664F33F6-759B-D0E7-9860-9C6BA9D178EE}"/>
+                <a16:creationId xmlns:a16="http://schemas.microsoft.com/office/drawing/2014/main" id="{5E3E2270-F66B-4655-D631-8B782E915C12}"/>
               </a:ext>
             </a:extLst>
           </p:cNvPr>
@@ -504,7 +504,7 @@
           <a:bodyPr/>
           <a:lstStyle/>
           <a:p>
-            <a:fld id="{9AEFB0F3-2FB4-4F1F-B1B3-93D24DAF9729}" type="slidenum">
+            <a:fld id="{C9994614-A66C-4512-B50C-AA7960154719}" type="slidenum">
               <a:rPr lang="zh-CN" altLang="en-US" smtClean="0"/>
               <a:t>‹#›</a:t>
             </a:fld>
@@ -515,7 +515,7 @@
     </p:spTree>
     <p:extLst>
       <p:ext uri="{BB962C8B-B14F-4D97-AF65-F5344CB8AC3E}">
-        <p14:creationId xmlns:p14="http://schemas.microsoft.com/office/powerpoint/2010/main" val="2118217902"/>
+        <p14:creationId xmlns:p14="http://schemas.microsoft.com/office/powerpoint/2010/main" val="3326347297"/>
       </p:ext>
     </p:extLst>
   </p:cSld>
@@ -547,7 +547,7 @@
           <p:cNvPr id="2" name="竖排标题 1">
             <a:extLst>
               <a:ext uri="{FF2B5EF4-FFF2-40B4-BE49-F238E27FC236}">
-                <a16:creationId xmlns:a16="http://schemas.microsoft.com/office/drawing/2014/main" id="{0C50F665-F71F-224B-7949-9D02AB47873A}"/>
+                <a16:creationId xmlns:a16="http://schemas.microsoft.com/office/drawing/2014/main" id="{CA5C584D-1A5E-E3DD-DCA4-FFB2A880105A}"/>
               </a:ext>
             </a:extLst>
           </p:cNvPr>
@@ -580,7 +580,7 @@
           <p:cNvPr id="3" name="竖排文字占位符 2">
             <a:extLst>
               <a:ext uri="{FF2B5EF4-FFF2-40B4-BE49-F238E27FC236}">
-                <a16:creationId xmlns:a16="http://schemas.microsoft.com/office/drawing/2014/main" id="{8F893185-8545-B462-369D-9217B4D4350F}"/>
+                <a16:creationId xmlns:a16="http://schemas.microsoft.com/office/drawing/2014/main" id="{B69553E1-E236-7CE9-303C-82776CBBFDA7}"/>
               </a:ext>
             </a:extLst>
           </p:cNvPr>
@@ -642,7 +642,7 @@
           <p:cNvPr id="4" name="日期占位符 3">
             <a:extLst>
               <a:ext uri="{FF2B5EF4-FFF2-40B4-BE49-F238E27FC236}">
-                <a16:creationId xmlns:a16="http://schemas.microsoft.com/office/drawing/2014/main" id="{62CDE05B-9612-712F-A707-A3370BACCFB5}"/>
+                <a16:creationId xmlns:a16="http://schemas.microsoft.com/office/drawing/2014/main" id="{CF050F77-0828-8683-AB2F-F38264860A4D}"/>
               </a:ext>
             </a:extLst>
           </p:cNvPr>
@@ -658,7 +658,7 @@
           <a:bodyPr/>
           <a:lstStyle/>
           <a:p>
-            <a:fld id="{27F615C4-AC0E-4473-9D79-F96D7261D089}" type="datetimeFigureOut">
+            <a:fld id="{DA82F3F6-0BAA-4AF2-BE31-8A87C20202E2}" type="datetimeFigureOut">
               <a:rPr lang="zh-CN" altLang="en-US" smtClean="0"/>
               <a:t>2024/3/10</a:t>
             </a:fld>
@@ -671,7 +671,7 @@
           <p:cNvPr id="5" name="页脚占位符 4">
             <a:extLst>
               <a:ext uri="{FF2B5EF4-FFF2-40B4-BE49-F238E27FC236}">
-                <a16:creationId xmlns:a16="http://schemas.microsoft.com/office/drawing/2014/main" id="{C418D88B-DA3C-6015-0CF6-C5E5AA0FBE4B}"/>
+                <a16:creationId xmlns:a16="http://schemas.microsoft.com/office/drawing/2014/main" id="{37514344-612B-8927-FBFE-B553BD8ECD82}"/>
               </a:ext>
             </a:extLst>
           </p:cNvPr>
@@ -696,7 +696,7 @@
           <p:cNvPr id="6" name="灯片编号占位符 5">
             <a:extLst>
               <a:ext uri="{FF2B5EF4-FFF2-40B4-BE49-F238E27FC236}">
-                <a16:creationId xmlns:a16="http://schemas.microsoft.com/office/drawing/2014/main" id="{B5404C39-E711-365D-FF1D-C8ADD3042CF4}"/>
+                <a16:creationId xmlns:a16="http://schemas.microsoft.com/office/drawing/2014/main" id="{2C1B96DA-CD4A-A04C-81FD-F9C515FC0FA5}"/>
               </a:ext>
             </a:extLst>
           </p:cNvPr>
@@ -712,7 +712,7 @@
           <a:bodyPr/>
           <a:lstStyle/>
           <a:p>
-            <a:fld id="{9AEFB0F3-2FB4-4F1F-B1B3-93D24DAF9729}" type="slidenum">
+            <a:fld id="{C9994614-A66C-4512-B50C-AA7960154719}" type="slidenum">
               <a:rPr lang="zh-CN" altLang="en-US" smtClean="0"/>
               <a:t>‹#›</a:t>
             </a:fld>
@@ -723,7 +723,7 @@
     </p:spTree>
     <p:extLst>
       <p:ext uri="{BB962C8B-B14F-4D97-AF65-F5344CB8AC3E}">
-        <p14:creationId xmlns:p14="http://schemas.microsoft.com/office/powerpoint/2010/main" val="3802521978"/>
+        <p14:creationId xmlns:p14="http://schemas.microsoft.com/office/powerpoint/2010/main" val="2986117462"/>
       </p:ext>
     </p:extLst>
   </p:cSld>
@@ -755,7 +755,7 @@
           <p:cNvPr id="2" name="标题 1">
             <a:extLst>
               <a:ext uri="{FF2B5EF4-FFF2-40B4-BE49-F238E27FC236}">
-                <a16:creationId xmlns:a16="http://schemas.microsoft.com/office/drawing/2014/main" id="{8426BAF2-DCB5-ECED-ED5F-1AE7A7FECFFA}"/>
+                <a16:creationId xmlns:a16="http://schemas.microsoft.com/office/drawing/2014/main" id="{D1BAE413-C64A-E5E8-B19F-43C43DDD0A63}"/>
               </a:ext>
             </a:extLst>
           </p:cNvPr>
@@ -783,7 +783,7 @@
           <p:cNvPr id="3" name="内容占位符 2">
             <a:extLst>
               <a:ext uri="{FF2B5EF4-FFF2-40B4-BE49-F238E27FC236}">
-                <a16:creationId xmlns:a16="http://schemas.microsoft.com/office/drawing/2014/main" id="{0CE9654A-20FE-E24B-CE8B-402203651A3A}"/>
+                <a16:creationId xmlns:a16="http://schemas.microsoft.com/office/drawing/2014/main" id="{7A5C6166-390D-C6BC-7B71-4153A69D0F84}"/>
               </a:ext>
             </a:extLst>
           </p:cNvPr>
@@ -840,7 +840,7 @@
           <p:cNvPr id="4" name="日期占位符 3">
             <a:extLst>
               <a:ext uri="{FF2B5EF4-FFF2-40B4-BE49-F238E27FC236}">
-                <a16:creationId xmlns:a16="http://schemas.microsoft.com/office/drawing/2014/main" id="{5DA7792B-540B-696B-9616-A02D1E11F56E}"/>
+                <a16:creationId xmlns:a16="http://schemas.microsoft.com/office/drawing/2014/main" id="{FC3E3127-D935-0603-4CA2-68E7F4660A82}"/>
               </a:ext>
             </a:extLst>
           </p:cNvPr>
@@ -856,7 +856,7 @@
           <a:bodyPr/>
           <a:lstStyle/>
           <a:p>
-            <a:fld id="{27F615C4-AC0E-4473-9D79-F96D7261D089}" type="datetimeFigureOut">
+            <a:fld id="{DA82F3F6-0BAA-4AF2-BE31-8A87C20202E2}" type="datetimeFigureOut">
               <a:rPr lang="zh-CN" altLang="en-US" smtClean="0"/>
               <a:t>2024/3/10</a:t>
             </a:fld>
@@ -869,7 +869,7 @@
           <p:cNvPr id="5" name="页脚占位符 4">
             <a:extLst>
               <a:ext uri="{FF2B5EF4-FFF2-40B4-BE49-F238E27FC236}">
-                <a16:creationId xmlns:a16="http://schemas.microsoft.com/office/drawing/2014/main" id="{E77EF97C-6D61-5DE1-1366-0BCC6AAC098C}"/>
+                <a16:creationId xmlns:a16="http://schemas.microsoft.com/office/drawing/2014/main" id="{6ABC2BF1-BDC8-1B74-DCC0-E081FEB9B71E}"/>
               </a:ext>
             </a:extLst>
           </p:cNvPr>
@@ -894,7 +894,7 @@
           <p:cNvPr id="6" name="灯片编号占位符 5">
             <a:extLst>
               <a:ext uri="{FF2B5EF4-FFF2-40B4-BE49-F238E27FC236}">
-                <a16:creationId xmlns:a16="http://schemas.microsoft.com/office/drawing/2014/main" id="{F3C2C6D9-9C70-5EC6-611D-5D923259A8E5}"/>
+                <a16:creationId xmlns:a16="http://schemas.microsoft.com/office/drawing/2014/main" id="{CD90CD8A-64AB-D4A9-3C42-9D8B16DA58D8}"/>
               </a:ext>
             </a:extLst>
           </p:cNvPr>
@@ -910,7 +910,7 @@
           <a:bodyPr/>
           <a:lstStyle/>
           <a:p>
-            <a:fld id="{9AEFB0F3-2FB4-4F1F-B1B3-93D24DAF9729}" type="slidenum">
+            <a:fld id="{C9994614-A66C-4512-B50C-AA7960154719}" type="slidenum">
               <a:rPr lang="zh-CN" altLang="en-US" smtClean="0"/>
               <a:t>‹#›</a:t>
             </a:fld>
@@ -921,7 +921,7 @@
     </p:spTree>
     <p:extLst>
       <p:ext uri="{BB962C8B-B14F-4D97-AF65-F5344CB8AC3E}">
-        <p14:creationId xmlns:p14="http://schemas.microsoft.com/office/powerpoint/2010/main" val="2507586509"/>
+        <p14:creationId xmlns:p14="http://schemas.microsoft.com/office/powerpoint/2010/main" val="3984923665"/>
       </p:ext>
     </p:extLst>
   </p:cSld>
@@ -953,7 +953,7 @@
           <p:cNvPr id="2" name="标题 1">
             <a:extLst>
               <a:ext uri="{FF2B5EF4-FFF2-40B4-BE49-F238E27FC236}">
-                <a16:creationId xmlns:a16="http://schemas.microsoft.com/office/drawing/2014/main" id="{AB516C98-3B1D-19D2-01B3-0172301D074D}"/>
+                <a16:creationId xmlns:a16="http://schemas.microsoft.com/office/drawing/2014/main" id="{1C62234E-2BBE-6E6F-DC00-582FCF48DE98}"/>
               </a:ext>
             </a:extLst>
           </p:cNvPr>
@@ -990,7 +990,7 @@
           <p:cNvPr id="3" name="文本占位符 2">
             <a:extLst>
               <a:ext uri="{FF2B5EF4-FFF2-40B4-BE49-F238E27FC236}">
-                <a16:creationId xmlns:a16="http://schemas.microsoft.com/office/drawing/2014/main" id="{D8431E3D-6C65-4642-9E66-2ACF7BE167CE}"/>
+                <a16:creationId xmlns:a16="http://schemas.microsoft.com/office/drawing/2014/main" id="{5F58D446-EFD8-1A95-CB66-001811C11BD0}"/>
               </a:ext>
             </a:extLst>
           </p:cNvPr>
@@ -1115,7 +1115,7 @@
           <p:cNvPr id="4" name="日期占位符 3">
             <a:extLst>
               <a:ext uri="{FF2B5EF4-FFF2-40B4-BE49-F238E27FC236}">
-                <a16:creationId xmlns:a16="http://schemas.microsoft.com/office/drawing/2014/main" id="{ADA0AB7A-F02A-5A8E-8023-86DBE4D91FC2}"/>
+                <a16:creationId xmlns:a16="http://schemas.microsoft.com/office/drawing/2014/main" id="{F4E548C5-FF70-BA73-263E-F8D2C8F3AE3E}"/>
               </a:ext>
             </a:extLst>
           </p:cNvPr>
@@ -1131,7 +1131,7 @@
           <a:bodyPr/>
           <a:lstStyle/>
           <a:p>
-            <a:fld id="{27F615C4-AC0E-4473-9D79-F96D7261D089}" type="datetimeFigureOut">
+            <a:fld id="{DA82F3F6-0BAA-4AF2-BE31-8A87C20202E2}" type="datetimeFigureOut">
               <a:rPr lang="zh-CN" altLang="en-US" smtClean="0"/>
               <a:t>2024/3/10</a:t>
             </a:fld>
@@ -1144,7 +1144,7 @@
           <p:cNvPr id="5" name="页脚占位符 4">
             <a:extLst>
               <a:ext uri="{FF2B5EF4-FFF2-40B4-BE49-F238E27FC236}">
-                <a16:creationId xmlns:a16="http://schemas.microsoft.com/office/drawing/2014/main" id="{AFD524DA-51D5-F273-293E-C54C18CC1F6B}"/>
+                <a16:creationId xmlns:a16="http://schemas.microsoft.com/office/drawing/2014/main" id="{AF070077-DDBA-C6E1-2CB5-43F7DD1C9E55}"/>
               </a:ext>
             </a:extLst>
           </p:cNvPr>
@@ -1169,7 +1169,7 @@
           <p:cNvPr id="6" name="灯片编号占位符 5">
             <a:extLst>
               <a:ext uri="{FF2B5EF4-FFF2-40B4-BE49-F238E27FC236}">
-                <a16:creationId xmlns:a16="http://schemas.microsoft.com/office/drawing/2014/main" id="{94C63BF1-0A70-E62D-820E-A2B1CB23ADCF}"/>
+                <a16:creationId xmlns:a16="http://schemas.microsoft.com/office/drawing/2014/main" id="{FA8018D1-FE18-1C59-73B4-E650EFA85C0C}"/>
               </a:ext>
             </a:extLst>
           </p:cNvPr>
@@ -1185,7 +1185,7 @@
           <a:bodyPr/>
           <a:lstStyle/>
           <a:p>
-            <a:fld id="{9AEFB0F3-2FB4-4F1F-B1B3-93D24DAF9729}" type="slidenum">
+            <a:fld id="{C9994614-A66C-4512-B50C-AA7960154719}" type="slidenum">
               <a:rPr lang="zh-CN" altLang="en-US" smtClean="0"/>
               <a:t>‹#›</a:t>
             </a:fld>
@@ -1196,7 +1196,7 @@
     </p:spTree>
     <p:extLst>
       <p:ext uri="{BB962C8B-B14F-4D97-AF65-F5344CB8AC3E}">
-        <p14:creationId xmlns:p14="http://schemas.microsoft.com/office/powerpoint/2010/main" val="4266963057"/>
+        <p14:creationId xmlns:p14="http://schemas.microsoft.com/office/powerpoint/2010/main" val="1084417065"/>
       </p:ext>
     </p:extLst>
   </p:cSld>
@@ -1228,7 +1228,7 @@
           <p:cNvPr id="2" name="标题 1">
             <a:extLst>
               <a:ext uri="{FF2B5EF4-FFF2-40B4-BE49-F238E27FC236}">
-                <a16:creationId xmlns:a16="http://schemas.microsoft.com/office/drawing/2014/main" id="{D20EF0CA-A586-E8D5-8433-C632FBB751A3}"/>
+                <a16:creationId xmlns:a16="http://schemas.microsoft.com/office/drawing/2014/main" id="{A6BF5B86-2081-8535-35FC-126B4F47D626}"/>
               </a:ext>
             </a:extLst>
           </p:cNvPr>
@@ -1256,7 +1256,7 @@
           <p:cNvPr id="3" name="内容占位符 2">
             <a:extLst>
               <a:ext uri="{FF2B5EF4-FFF2-40B4-BE49-F238E27FC236}">
-                <a16:creationId xmlns:a16="http://schemas.microsoft.com/office/drawing/2014/main" id="{FEB1797A-C42B-F9D4-F243-71B842003CF2}"/>
+                <a16:creationId xmlns:a16="http://schemas.microsoft.com/office/drawing/2014/main" id="{D306CEAB-9E91-DD85-6323-234CA565A66D}"/>
               </a:ext>
             </a:extLst>
           </p:cNvPr>
@@ -1318,7 +1318,7 @@
           <p:cNvPr id="4" name="内容占位符 3">
             <a:extLst>
               <a:ext uri="{FF2B5EF4-FFF2-40B4-BE49-F238E27FC236}">
-                <a16:creationId xmlns:a16="http://schemas.microsoft.com/office/drawing/2014/main" id="{A5516FDD-9CC5-3354-0202-25C4DEA74CCE}"/>
+                <a16:creationId xmlns:a16="http://schemas.microsoft.com/office/drawing/2014/main" id="{F666DEE9-3D55-A03F-C1ED-E6EE8EF9AE13}"/>
               </a:ext>
             </a:extLst>
           </p:cNvPr>
@@ -1380,7 +1380,7 @@
           <p:cNvPr id="5" name="日期占位符 4">
             <a:extLst>
               <a:ext uri="{FF2B5EF4-FFF2-40B4-BE49-F238E27FC236}">
-                <a16:creationId xmlns:a16="http://schemas.microsoft.com/office/drawing/2014/main" id="{C5B5A04B-70B4-CBB4-A0BA-54E9AF85F16B}"/>
+                <a16:creationId xmlns:a16="http://schemas.microsoft.com/office/drawing/2014/main" id="{4E75CAF3-7625-0D39-9161-9DAF42C519B5}"/>
               </a:ext>
             </a:extLst>
           </p:cNvPr>
@@ -1396,7 +1396,7 @@
           <a:bodyPr/>
           <a:lstStyle/>
           <a:p>
-            <a:fld id="{27F615C4-AC0E-4473-9D79-F96D7261D089}" type="datetimeFigureOut">
+            <a:fld id="{DA82F3F6-0BAA-4AF2-BE31-8A87C20202E2}" type="datetimeFigureOut">
               <a:rPr lang="zh-CN" altLang="en-US" smtClean="0"/>
               <a:t>2024/3/10</a:t>
             </a:fld>
@@ -1409,7 +1409,7 @@
           <p:cNvPr id="6" name="页脚占位符 5">
             <a:extLst>
               <a:ext uri="{FF2B5EF4-FFF2-40B4-BE49-F238E27FC236}">
-                <a16:creationId xmlns:a16="http://schemas.microsoft.com/office/drawing/2014/main" id="{D20142BA-A574-46EA-C7C7-6B56A1F79CC1}"/>
+                <a16:creationId xmlns:a16="http://schemas.microsoft.com/office/drawing/2014/main" id="{1DB2091F-8F5D-A5DF-0FCB-A5AE0B4B3B6E}"/>
               </a:ext>
             </a:extLst>
           </p:cNvPr>
@@ -1434,7 +1434,7 @@
           <p:cNvPr id="7" name="灯片编号占位符 6">
             <a:extLst>
               <a:ext uri="{FF2B5EF4-FFF2-40B4-BE49-F238E27FC236}">
-                <a16:creationId xmlns:a16="http://schemas.microsoft.com/office/drawing/2014/main" id="{084D4181-F9A8-7917-73F3-1D4885693CEC}"/>
+                <a16:creationId xmlns:a16="http://schemas.microsoft.com/office/drawing/2014/main" id="{3D767F32-F7E3-1C8E-BE64-7F01E0973294}"/>
               </a:ext>
             </a:extLst>
           </p:cNvPr>
@@ -1450,7 +1450,7 @@
           <a:bodyPr/>
           <a:lstStyle/>
           <a:p>
-            <a:fld id="{9AEFB0F3-2FB4-4F1F-B1B3-93D24DAF9729}" type="slidenum">
+            <a:fld id="{C9994614-A66C-4512-B50C-AA7960154719}" type="slidenum">
               <a:rPr lang="zh-CN" altLang="en-US" smtClean="0"/>
               <a:t>‹#›</a:t>
             </a:fld>
@@ -1461,7 +1461,7 @@
     </p:spTree>
     <p:extLst>
       <p:ext uri="{BB962C8B-B14F-4D97-AF65-F5344CB8AC3E}">
-        <p14:creationId xmlns:p14="http://schemas.microsoft.com/office/powerpoint/2010/main" val="3489968359"/>
+        <p14:creationId xmlns:p14="http://schemas.microsoft.com/office/powerpoint/2010/main" val="3008302807"/>
       </p:ext>
     </p:extLst>
   </p:cSld>
@@ -1493,7 +1493,7 @@
           <p:cNvPr id="2" name="标题 1">
             <a:extLst>
               <a:ext uri="{FF2B5EF4-FFF2-40B4-BE49-F238E27FC236}">
-                <a16:creationId xmlns:a16="http://schemas.microsoft.com/office/drawing/2014/main" id="{2256A47B-2A25-299C-2154-2C4208D00453}"/>
+                <a16:creationId xmlns:a16="http://schemas.microsoft.com/office/drawing/2014/main" id="{EBA3E00D-F0AD-1702-571E-0661417EAD6A}"/>
               </a:ext>
             </a:extLst>
           </p:cNvPr>
@@ -1526,7 +1526,7 @@
           <p:cNvPr id="3" name="文本占位符 2">
             <a:extLst>
               <a:ext uri="{FF2B5EF4-FFF2-40B4-BE49-F238E27FC236}">
-                <a16:creationId xmlns:a16="http://schemas.microsoft.com/office/drawing/2014/main" id="{5D296605-AB6B-6BD6-79AA-8F876B02AD46}"/>
+                <a16:creationId xmlns:a16="http://schemas.microsoft.com/office/drawing/2014/main" id="{A3C43F07-5762-E9C3-A241-43E4DC638802}"/>
               </a:ext>
             </a:extLst>
           </p:cNvPr>
@@ -1597,7 +1597,7 @@
           <p:cNvPr id="4" name="内容占位符 3">
             <a:extLst>
               <a:ext uri="{FF2B5EF4-FFF2-40B4-BE49-F238E27FC236}">
-                <a16:creationId xmlns:a16="http://schemas.microsoft.com/office/drawing/2014/main" id="{E6B27353-5641-34DB-887A-236CCC60E5A1}"/>
+                <a16:creationId xmlns:a16="http://schemas.microsoft.com/office/drawing/2014/main" id="{BF68A2B3-1807-9C34-C517-F20CDE9AD255}"/>
               </a:ext>
             </a:extLst>
           </p:cNvPr>
@@ -1659,7 +1659,7 @@
           <p:cNvPr id="5" name="文本占位符 4">
             <a:extLst>
               <a:ext uri="{FF2B5EF4-FFF2-40B4-BE49-F238E27FC236}">
-                <a16:creationId xmlns:a16="http://schemas.microsoft.com/office/drawing/2014/main" id="{50EBFDAF-9B73-C693-FB41-3A86CAC41FBD}"/>
+                <a16:creationId xmlns:a16="http://schemas.microsoft.com/office/drawing/2014/main" id="{0479CE3A-98BF-C772-FEF5-EF8B9F2B38D9}"/>
               </a:ext>
             </a:extLst>
           </p:cNvPr>
@@ -1730,7 +1730,7 @@
           <p:cNvPr id="6" name="内容占位符 5">
             <a:extLst>
               <a:ext uri="{FF2B5EF4-FFF2-40B4-BE49-F238E27FC236}">
-                <a16:creationId xmlns:a16="http://schemas.microsoft.com/office/drawing/2014/main" id="{008945FA-7663-EB23-1813-D49F936D41A1}"/>
+                <a16:creationId xmlns:a16="http://schemas.microsoft.com/office/drawing/2014/main" id="{E400A974-214E-5215-9FC4-91C7F34B6C74}"/>
               </a:ext>
             </a:extLst>
           </p:cNvPr>
@@ -1792,7 +1792,7 @@
           <p:cNvPr id="7" name="日期占位符 6">
             <a:extLst>
               <a:ext uri="{FF2B5EF4-FFF2-40B4-BE49-F238E27FC236}">
-                <a16:creationId xmlns:a16="http://schemas.microsoft.com/office/drawing/2014/main" id="{45385C3A-49BD-5C65-4FF1-B3C82209900F}"/>
+                <a16:creationId xmlns:a16="http://schemas.microsoft.com/office/drawing/2014/main" id="{5ADC653A-0C39-37CA-00EA-40AF897147AD}"/>
               </a:ext>
             </a:extLst>
           </p:cNvPr>
@@ -1808,7 +1808,7 @@
           <a:bodyPr/>
           <a:lstStyle/>
           <a:p>
-            <a:fld id="{27F615C4-AC0E-4473-9D79-F96D7261D089}" type="datetimeFigureOut">
+            <a:fld id="{DA82F3F6-0BAA-4AF2-BE31-8A87C20202E2}" type="datetimeFigureOut">
               <a:rPr lang="zh-CN" altLang="en-US" smtClean="0"/>
               <a:t>2024/3/10</a:t>
             </a:fld>
@@ -1821,7 +1821,7 @@
           <p:cNvPr id="8" name="页脚占位符 7">
             <a:extLst>
               <a:ext uri="{FF2B5EF4-FFF2-40B4-BE49-F238E27FC236}">
-                <a16:creationId xmlns:a16="http://schemas.microsoft.com/office/drawing/2014/main" id="{77A2A95C-539A-F859-57F7-A8F9B28C4D77}"/>
+                <a16:creationId xmlns:a16="http://schemas.microsoft.com/office/drawing/2014/main" id="{0B0E53A7-E109-4195-068C-0B0DB8A7A79D}"/>
               </a:ext>
             </a:extLst>
           </p:cNvPr>
@@ -1846,7 +1846,7 @@
           <p:cNvPr id="9" name="灯片编号占位符 8">
             <a:extLst>
               <a:ext uri="{FF2B5EF4-FFF2-40B4-BE49-F238E27FC236}">
-                <a16:creationId xmlns:a16="http://schemas.microsoft.com/office/drawing/2014/main" id="{B3AE0512-0607-6A36-F5D2-913B9AEAEF06}"/>
+                <a16:creationId xmlns:a16="http://schemas.microsoft.com/office/drawing/2014/main" id="{D68D8410-40FD-5E17-2563-65785941993E}"/>
               </a:ext>
             </a:extLst>
           </p:cNvPr>
@@ -1862,7 +1862,7 @@
           <a:bodyPr/>
           <a:lstStyle/>
           <a:p>
-            <a:fld id="{9AEFB0F3-2FB4-4F1F-B1B3-93D24DAF9729}" type="slidenum">
+            <a:fld id="{C9994614-A66C-4512-B50C-AA7960154719}" type="slidenum">
               <a:rPr lang="zh-CN" altLang="en-US" smtClean="0"/>
               <a:t>‹#›</a:t>
             </a:fld>
@@ -1873,7 +1873,7 @@
     </p:spTree>
     <p:extLst>
       <p:ext uri="{BB962C8B-B14F-4D97-AF65-F5344CB8AC3E}">
-        <p14:creationId xmlns:p14="http://schemas.microsoft.com/office/powerpoint/2010/main" val="4235305630"/>
+        <p14:creationId xmlns:p14="http://schemas.microsoft.com/office/powerpoint/2010/main" val="288482017"/>
       </p:ext>
     </p:extLst>
   </p:cSld>
@@ -1905,7 +1905,7 @@
           <p:cNvPr id="2" name="标题 1">
             <a:extLst>
               <a:ext uri="{FF2B5EF4-FFF2-40B4-BE49-F238E27FC236}">
-                <a16:creationId xmlns:a16="http://schemas.microsoft.com/office/drawing/2014/main" id="{30FB99EE-8C5C-3E44-CAC1-C6CA11CDFAA5}"/>
+                <a16:creationId xmlns:a16="http://schemas.microsoft.com/office/drawing/2014/main" id="{B0298A9D-32CA-629D-2ABA-FA472B8AB60F}"/>
               </a:ext>
             </a:extLst>
           </p:cNvPr>
@@ -1933,7 +1933,7 @@
           <p:cNvPr id="3" name="日期占位符 2">
             <a:extLst>
               <a:ext uri="{FF2B5EF4-FFF2-40B4-BE49-F238E27FC236}">
-                <a16:creationId xmlns:a16="http://schemas.microsoft.com/office/drawing/2014/main" id="{0F964809-65FF-BFE6-6871-1F6DC14BF550}"/>
+                <a16:creationId xmlns:a16="http://schemas.microsoft.com/office/drawing/2014/main" id="{8B7EA653-6A50-39E3-B71E-BFBE4179BB96}"/>
               </a:ext>
             </a:extLst>
           </p:cNvPr>
@@ -1949,7 +1949,7 @@
           <a:bodyPr/>
           <a:lstStyle/>
           <a:p>
-            <a:fld id="{27F615C4-AC0E-4473-9D79-F96D7261D089}" type="datetimeFigureOut">
+            <a:fld id="{DA82F3F6-0BAA-4AF2-BE31-8A87C20202E2}" type="datetimeFigureOut">
               <a:rPr lang="zh-CN" altLang="en-US" smtClean="0"/>
               <a:t>2024/3/10</a:t>
             </a:fld>
@@ -1962,7 +1962,7 @@
           <p:cNvPr id="4" name="页脚占位符 3">
             <a:extLst>
               <a:ext uri="{FF2B5EF4-FFF2-40B4-BE49-F238E27FC236}">
-                <a16:creationId xmlns:a16="http://schemas.microsoft.com/office/drawing/2014/main" id="{DB026847-0F8F-F1BF-A42A-CD193DF176C3}"/>
+                <a16:creationId xmlns:a16="http://schemas.microsoft.com/office/drawing/2014/main" id="{7337A105-E702-B55F-CADA-3D33E539B51C}"/>
               </a:ext>
             </a:extLst>
           </p:cNvPr>
@@ -1987,7 +1987,7 @@
           <p:cNvPr id="5" name="灯片编号占位符 4">
             <a:extLst>
               <a:ext uri="{FF2B5EF4-FFF2-40B4-BE49-F238E27FC236}">
-                <a16:creationId xmlns:a16="http://schemas.microsoft.com/office/drawing/2014/main" id="{875E18F9-5587-00F6-6714-1567EFED2B57}"/>
+                <a16:creationId xmlns:a16="http://schemas.microsoft.com/office/drawing/2014/main" id="{73462463-37FB-0A95-1508-48FF21E28B41}"/>
               </a:ext>
             </a:extLst>
           </p:cNvPr>
@@ -2003,7 +2003,7 @@
           <a:bodyPr/>
           <a:lstStyle/>
           <a:p>
-            <a:fld id="{9AEFB0F3-2FB4-4F1F-B1B3-93D24DAF9729}" type="slidenum">
+            <a:fld id="{C9994614-A66C-4512-B50C-AA7960154719}" type="slidenum">
               <a:rPr lang="zh-CN" altLang="en-US" smtClean="0"/>
               <a:t>‹#›</a:t>
             </a:fld>
@@ -2014,7 +2014,7 @@
     </p:spTree>
     <p:extLst>
       <p:ext uri="{BB962C8B-B14F-4D97-AF65-F5344CB8AC3E}">
-        <p14:creationId xmlns:p14="http://schemas.microsoft.com/office/powerpoint/2010/main" val="966795648"/>
+        <p14:creationId xmlns:p14="http://schemas.microsoft.com/office/powerpoint/2010/main" val="3430567518"/>
       </p:ext>
     </p:extLst>
   </p:cSld>
@@ -2046,7 +2046,7 @@
           <p:cNvPr id="2" name="日期占位符 1">
             <a:extLst>
               <a:ext uri="{FF2B5EF4-FFF2-40B4-BE49-F238E27FC236}">
-                <a16:creationId xmlns:a16="http://schemas.microsoft.com/office/drawing/2014/main" id="{AF7E047C-9098-4DA9-6943-879231046D0A}"/>
+                <a16:creationId xmlns:a16="http://schemas.microsoft.com/office/drawing/2014/main" id="{322F2C85-EEDB-3BCB-540D-A4122B3459BD}"/>
               </a:ext>
             </a:extLst>
           </p:cNvPr>
@@ -2062,7 +2062,7 @@
           <a:bodyPr/>
           <a:lstStyle/>
           <a:p>
-            <a:fld id="{27F615C4-AC0E-4473-9D79-F96D7261D089}" type="datetimeFigureOut">
+            <a:fld id="{DA82F3F6-0BAA-4AF2-BE31-8A87C20202E2}" type="datetimeFigureOut">
               <a:rPr lang="zh-CN" altLang="en-US" smtClean="0"/>
               <a:t>2024/3/10</a:t>
             </a:fld>
@@ -2075,7 +2075,7 @@
           <p:cNvPr id="3" name="页脚占位符 2">
             <a:extLst>
               <a:ext uri="{FF2B5EF4-FFF2-40B4-BE49-F238E27FC236}">
-                <a16:creationId xmlns:a16="http://schemas.microsoft.com/office/drawing/2014/main" id="{E63CFE69-1D06-BEED-9F84-F04BE43C1BB3}"/>
+                <a16:creationId xmlns:a16="http://schemas.microsoft.com/office/drawing/2014/main" id="{C4700CD2-5DDF-CDA6-348B-49D5FF84CC2A}"/>
               </a:ext>
             </a:extLst>
           </p:cNvPr>
@@ -2100,7 +2100,7 @@
           <p:cNvPr id="4" name="灯片编号占位符 3">
             <a:extLst>
               <a:ext uri="{FF2B5EF4-FFF2-40B4-BE49-F238E27FC236}">
-                <a16:creationId xmlns:a16="http://schemas.microsoft.com/office/drawing/2014/main" id="{5D143493-3333-A649-485C-D1E12EAC654A}"/>
+                <a16:creationId xmlns:a16="http://schemas.microsoft.com/office/drawing/2014/main" id="{96C3991D-0C8F-9EFA-D2A7-7C302FB652D7}"/>
               </a:ext>
             </a:extLst>
           </p:cNvPr>
@@ -2116,7 +2116,7 @@
           <a:bodyPr/>
           <a:lstStyle/>
           <a:p>
-            <a:fld id="{9AEFB0F3-2FB4-4F1F-B1B3-93D24DAF9729}" type="slidenum">
+            <a:fld id="{C9994614-A66C-4512-B50C-AA7960154719}" type="slidenum">
               <a:rPr lang="zh-CN" altLang="en-US" smtClean="0"/>
               <a:t>‹#›</a:t>
             </a:fld>
@@ -2127,7 +2127,7 @@
     </p:spTree>
     <p:extLst>
       <p:ext uri="{BB962C8B-B14F-4D97-AF65-F5344CB8AC3E}">
-        <p14:creationId xmlns:p14="http://schemas.microsoft.com/office/powerpoint/2010/main" val="1240396661"/>
+        <p14:creationId xmlns:p14="http://schemas.microsoft.com/office/powerpoint/2010/main" val="389406893"/>
       </p:ext>
     </p:extLst>
   </p:cSld>
@@ -2159,7 +2159,7 @@
           <p:cNvPr id="2" name="标题 1">
             <a:extLst>
               <a:ext uri="{FF2B5EF4-FFF2-40B4-BE49-F238E27FC236}">
-                <a16:creationId xmlns:a16="http://schemas.microsoft.com/office/drawing/2014/main" id="{87A83CB4-B679-28E7-0FBA-19F64C12D668}"/>
+                <a16:creationId xmlns:a16="http://schemas.microsoft.com/office/drawing/2014/main" id="{4148DD7E-9237-2C9D-51EF-6105B0367E1D}"/>
               </a:ext>
             </a:extLst>
           </p:cNvPr>
@@ -2196,7 +2196,7 @@
           <p:cNvPr id="3" name="内容占位符 2">
             <a:extLst>
               <a:ext uri="{FF2B5EF4-FFF2-40B4-BE49-F238E27FC236}">
-                <a16:creationId xmlns:a16="http://schemas.microsoft.com/office/drawing/2014/main" id="{6BFEBF65-6248-4593-A1B6-FDAEDF08917B}"/>
+                <a16:creationId xmlns:a16="http://schemas.microsoft.com/office/drawing/2014/main" id="{E76DE8D4-9052-40A4-16F2-7613B7031946}"/>
               </a:ext>
             </a:extLst>
           </p:cNvPr>
@@ -2286,7 +2286,7 @@
           <p:cNvPr id="4" name="文本占位符 3">
             <a:extLst>
               <a:ext uri="{FF2B5EF4-FFF2-40B4-BE49-F238E27FC236}">
-                <a16:creationId xmlns:a16="http://schemas.microsoft.com/office/drawing/2014/main" id="{C1996C7F-FA68-3BB7-2FC0-C11F67ABBA38}"/>
+                <a16:creationId xmlns:a16="http://schemas.microsoft.com/office/drawing/2014/main" id="{8FB3DB98-6641-5B28-A9DE-22FFC2BB7DFF}"/>
               </a:ext>
             </a:extLst>
           </p:cNvPr>
@@ -2357,7 +2357,7 @@
           <p:cNvPr id="5" name="日期占位符 4">
             <a:extLst>
               <a:ext uri="{FF2B5EF4-FFF2-40B4-BE49-F238E27FC236}">
-                <a16:creationId xmlns:a16="http://schemas.microsoft.com/office/drawing/2014/main" id="{C4F0DB12-6EA4-4B92-A03C-756221AF8296}"/>
+                <a16:creationId xmlns:a16="http://schemas.microsoft.com/office/drawing/2014/main" id="{C39BABA4-67A2-0794-E60B-1A58206325AE}"/>
               </a:ext>
             </a:extLst>
           </p:cNvPr>
@@ -2373,7 +2373,7 @@
           <a:bodyPr/>
           <a:lstStyle/>
           <a:p>
-            <a:fld id="{27F615C4-AC0E-4473-9D79-F96D7261D089}" type="datetimeFigureOut">
+            <a:fld id="{DA82F3F6-0BAA-4AF2-BE31-8A87C20202E2}" type="datetimeFigureOut">
               <a:rPr lang="zh-CN" altLang="en-US" smtClean="0"/>
               <a:t>2024/3/10</a:t>
             </a:fld>
@@ -2386,7 +2386,7 @@
           <p:cNvPr id="6" name="页脚占位符 5">
             <a:extLst>
               <a:ext uri="{FF2B5EF4-FFF2-40B4-BE49-F238E27FC236}">
-                <a16:creationId xmlns:a16="http://schemas.microsoft.com/office/drawing/2014/main" id="{C10B3095-4679-00F2-DB89-FF02274A928C}"/>
+                <a16:creationId xmlns:a16="http://schemas.microsoft.com/office/drawing/2014/main" id="{3A3A8297-B678-69E3-3D32-74636257D75C}"/>
               </a:ext>
             </a:extLst>
           </p:cNvPr>
@@ -2411,7 +2411,7 @@
           <p:cNvPr id="7" name="灯片编号占位符 6">
             <a:extLst>
               <a:ext uri="{FF2B5EF4-FFF2-40B4-BE49-F238E27FC236}">
-                <a16:creationId xmlns:a16="http://schemas.microsoft.com/office/drawing/2014/main" id="{9565C1E2-EFC4-3975-2596-AD4031002E8B}"/>
+                <a16:creationId xmlns:a16="http://schemas.microsoft.com/office/drawing/2014/main" id="{BDEEBB45-FDD3-3E7E-596B-AD0945AD7A59}"/>
               </a:ext>
             </a:extLst>
           </p:cNvPr>
@@ -2427,7 +2427,7 @@
           <a:bodyPr/>
           <a:lstStyle/>
           <a:p>
-            <a:fld id="{9AEFB0F3-2FB4-4F1F-B1B3-93D24DAF9729}" type="slidenum">
+            <a:fld id="{C9994614-A66C-4512-B50C-AA7960154719}" type="slidenum">
               <a:rPr lang="zh-CN" altLang="en-US" smtClean="0"/>
               <a:t>‹#›</a:t>
             </a:fld>
@@ -2438,7 +2438,7 @@
     </p:spTree>
     <p:extLst>
       <p:ext uri="{BB962C8B-B14F-4D97-AF65-F5344CB8AC3E}">
-        <p14:creationId xmlns:p14="http://schemas.microsoft.com/office/powerpoint/2010/main" val="3740499806"/>
+        <p14:creationId xmlns:p14="http://schemas.microsoft.com/office/powerpoint/2010/main" val="2983941920"/>
       </p:ext>
     </p:extLst>
   </p:cSld>
@@ -2470,7 +2470,7 @@
           <p:cNvPr id="2" name="标题 1">
             <a:extLst>
               <a:ext uri="{FF2B5EF4-FFF2-40B4-BE49-F238E27FC236}">
-                <a16:creationId xmlns:a16="http://schemas.microsoft.com/office/drawing/2014/main" id="{BE57E3F3-2E26-B627-154D-78DAFFE665D5}"/>
+                <a16:creationId xmlns:a16="http://schemas.microsoft.com/office/drawing/2014/main" id="{FF825BC0-4A2E-9E98-D6BB-91C8A66D54A1}"/>
               </a:ext>
             </a:extLst>
           </p:cNvPr>
@@ -2507,7 +2507,7 @@
           <p:cNvPr id="3" name="图片占位符 2">
             <a:extLst>
               <a:ext uri="{FF2B5EF4-FFF2-40B4-BE49-F238E27FC236}">
-                <a16:creationId xmlns:a16="http://schemas.microsoft.com/office/drawing/2014/main" id="{78D78153-4D2C-F82C-DBAA-58026430109E}"/>
+                <a16:creationId xmlns:a16="http://schemas.microsoft.com/office/drawing/2014/main" id="{5F72E1B7-792E-55CB-79DA-C3A5B0C1FAB5}"/>
               </a:ext>
             </a:extLst>
           </p:cNvPr>
@@ -2574,7 +2574,7 @@
           <p:cNvPr id="4" name="文本占位符 3">
             <a:extLst>
               <a:ext uri="{FF2B5EF4-FFF2-40B4-BE49-F238E27FC236}">
-                <a16:creationId xmlns:a16="http://schemas.microsoft.com/office/drawing/2014/main" id="{C8C6E76F-D7D6-D265-BCAE-CCBD5CC5CB7D}"/>
+                <a16:creationId xmlns:a16="http://schemas.microsoft.com/office/drawing/2014/main" id="{9984722D-0594-CDD8-BC79-E0BD6F5D6523}"/>
               </a:ext>
             </a:extLst>
           </p:cNvPr>
@@ -2645,7 +2645,7 @@
           <p:cNvPr id="5" name="日期占位符 4">
             <a:extLst>
               <a:ext uri="{FF2B5EF4-FFF2-40B4-BE49-F238E27FC236}">
-                <a16:creationId xmlns:a16="http://schemas.microsoft.com/office/drawing/2014/main" id="{582B96BC-C9D4-5790-541E-3014F4B766EC}"/>
+                <a16:creationId xmlns:a16="http://schemas.microsoft.com/office/drawing/2014/main" id="{53B180FF-0AEE-7DF3-AD9B-F385377C999C}"/>
               </a:ext>
             </a:extLst>
           </p:cNvPr>
@@ -2661,7 +2661,7 @@
           <a:bodyPr/>
           <a:lstStyle/>
           <a:p>
-            <a:fld id="{27F615C4-AC0E-4473-9D79-F96D7261D089}" type="datetimeFigureOut">
+            <a:fld id="{DA82F3F6-0BAA-4AF2-BE31-8A87C20202E2}" type="datetimeFigureOut">
               <a:rPr lang="zh-CN" altLang="en-US" smtClean="0"/>
               <a:t>2024/3/10</a:t>
             </a:fld>
@@ -2674,7 +2674,7 @@
           <p:cNvPr id="6" name="页脚占位符 5">
             <a:extLst>
               <a:ext uri="{FF2B5EF4-FFF2-40B4-BE49-F238E27FC236}">
-                <a16:creationId xmlns:a16="http://schemas.microsoft.com/office/drawing/2014/main" id="{03325B7F-C787-1AEE-7806-A6B367A190B4}"/>
+                <a16:creationId xmlns:a16="http://schemas.microsoft.com/office/drawing/2014/main" id="{45F08D08-5136-4DA3-6CB7-B9A01C87A752}"/>
               </a:ext>
             </a:extLst>
           </p:cNvPr>
@@ -2699,7 +2699,7 @@
           <p:cNvPr id="7" name="灯片编号占位符 6">
             <a:extLst>
               <a:ext uri="{FF2B5EF4-FFF2-40B4-BE49-F238E27FC236}">
-                <a16:creationId xmlns:a16="http://schemas.microsoft.com/office/drawing/2014/main" id="{6C4A7BD2-0517-7C03-DEDF-6A9993DFDC1C}"/>
+                <a16:creationId xmlns:a16="http://schemas.microsoft.com/office/drawing/2014/main" id="{BE3088EE-89C1-9F24-3E45-D50381BA02B9}"/>
               </a:ext>
             </a:extLst>
           </p:cNvPr>
@@ -2715,7 +2715,7 @@
           <a:bodyPr/>
           <a:lstStyle/>
           <a:p>
-            <a:fld id="{9AEFB0F3-2FB4-4F1F-B1B3-93D24DAF9729}" type="slidenum">
+            <a:fld id="{C9994614-A66C-4512-B50C-AA7960154719}" type="slidenum">
               <a:rPr lang="zh-CN" altLang="en-US" smtClean="0"/>
               <a:t>‹#›</a:t>
             </a:fld>
@@ -2726,7 +2726,7 @@
     </p:spTree>
     <p:extLst>
       <p:ext uri="{BB962C8B-B14F-4D97-AF65-F5344CB8AC3E}">
-        <p14:creationId xmlns:p14="http://schemas.microsoft.com/office/powerpoint/2010/main" val="2871930074"/>
+        <p14:creationId xmlns:p14="http://schemas.microsoft.com/office/powerpoint/2010/main" val="909892150"/>
       </p:ext>
     </p:extLst>
   </p:cSld>
@@ -2763,7 +2763,7 @@
           <p:cNvPr id="2" name="标题占位符 1">
             <a:extLst>
               <a:ext uri="{FF2B5EF4-FFF2-40B4-BE49-F238E27FC236}">
-                <a16:creationId xmlns:a16="http://schemas.microsoft.com/office/drawing/2014/main" id="{155AF991-345F-113E-890C-548AB96DFF3D}"/>
+                <a16:creationId xmlns:a16="http://schemas.microsoft.com/office/drawing/2014/main" id="{1D9A57BC-A8BD-97E9-AB3C-683B4B62CDF7}"/>
               </a:ext>
             </a:extLst>
           </p:cNvPr>
@@ -2801,7 +2801,7 @@
           <p:cNvPr id="3" name="文本占位符 2">
             <a:extLst>
               <a:ext uri="{FF2B5EF4-FFF2-40B4-BE49-F238E27FC236}">
-                <a16:creationId xmlns:a16="http://schemas.microsoft.com/office/drawing/2014/main" id="{42F66925-B9F1-E01B-6CA3-5F27796EC2E0}"/>
+                <a16:creationId xmlns:a16="http://schemas.microsoft.com/office/drawing/2014/main" id="{6407A093-6503-2EB1-3CBE-7100EC4F37D1}"/>
               </a:ext>
             </a:extLst>
           </p:cNvPr>
@@ -2868,7 +2868,7 @@
           <p:cNvPr id="4" name="日期占位符 3">
             <a:extLst>
               <a:ext uri="{FF2B5EF4-FFF2-40B4-BE49-F238E27FC236}">
-                <a16:creationId xmlns:a16="http://schemas.microsoft.com/office/drawing/2014/main" id="{F4016BAC-FE0A-B230-5A35-C45A97CF8954}"/>
+                <a16:creationId xmlns:a16="http://schemas.microsoft.com/office/drawing/2014/main" id="{17B71822-1D36-8CCC-098A-1E715F86E284}"/>
               </a:ext>
             </a:extLst>
           </p:cNvPr>
@@ -2902,7 +2902,7 @@
             </a:lvl1pPr>
           </a:lstStyle>
           <a:p>
-            <a:fld id="{27F615C4-AC0E-4473-9D79-F96D7261D089}" type="datetimeFigureOut">
+            <a:fld id="{DA82F3F6-0BAA-4AF2-BE31-8A87C20202E2}" type="datetimeFigureOut">
               <a:rPr lang="zh-CN" altLang="en-US" smtClean="0"/>
               <a:t>2024/3/10</a:t>
             </a:fld>
@@ -2915,7 +2915,7 @@
           <p:cNvPr id="5" name="页脚占位符 4">
             <a:extLst>
               <a:ext uri="{FF2B5EF4-FFF2-40B4-BE49-F238E27FC236}">
-                <a16:creationId xmlns:a16="http://schemas.microsoft.com/office/drawing/2014/main" id="{79A0010D-D9D4-E244-B805-944C40F4024C}"/>
+                <a16:creationId xmlns:a16="http://schemas.microsoft.com/office/drawing/2014/main" id="{7A555D4E-E42D-5CB6-D3D8-2B2C2687DA6F}"/>
               </a:ext>
             </a:extLst>
           </p:cNvPr>
@@ -2958,7 +2958,7 @@
           <p:cNvPr id="6" name="灯片编号占位符 5">
             <a:extLst>
               <a:ext uri="{FF2B5EF4-FFF2-40B4-BE49-F238E27FC236}">
-                <a16:creationId xmlns:a16="http://schemas.microsoft.com/office/drawing/2014/main" id="{568FE591-16E7-4EE8-97AB-87DB67E2CCA1}"/>
+                <a16:creationId xmlns:a16="http://schemas.microsoft.com/office/drawing/2014/main" id="{6FBE38C8-A73D-2E1C-22DC-B9A263DC0352}"/>
               </a:ext>
             </a:extLst>
           </p:cNvPr>
@@ -2992,7 +2992,7 @@
             </a:lvl1pPr>
           </a:lstStyle>
           <a:p>
-            <a:fld id="{9AEFB0F3-2FB4-4F1F-B1B3-93D24DAF9729}" type="slidenum">
+            <a:fld id="{C9994614-A66C-4512-B50C-AA7960154719}" type="slidenum">
               <a:rPr lang="zh-CN" altLang="en-US" smtClean="0"/>
               <a:t>‹#›</a:t>
             </a:fld>
@@ -3003,7 +3003,7 @@
     </p:spTree>
     <p:extLst>
       <p:ext uri="{BB962C8B-B14F-4D97-AF65-F5344CB8AC3E}">
-        <p14:creationId xmlns:p14="http://schemas.microsoft.com/office/powerpoint/2010/main" val="26014780"/>
+        <p14:creationId xmlns:p14="http://schemas.microsoft.com/office/powerpoint/2010/main" val="4049962688"/>
       </p:ext>
     </p:extLst>
   </p:cSld>
